--- a/documents/EAC-ISBA/plots/raw/loading_plot.pptx
+++ b/documents/EAC-ISBA/plots/raw/loading_plot.pptx
@@ -3326,8 +3326,8 @@
           <a:chExt cx="0" cy="0"/>
         </a:xfrm>
       </p:grpSpPr>
-      <mc:AlternateContent xmlns:mc="http://schemas.openxmlformats.org/markup-compatibility/2006" xmlns:a14="http://schemas.microsoft.com/office/drawing/2010/main">
-        <mc:Choice Requires="a14">
+      <mc:AlternateContent xmlns:mc="http://schemas.openxmlformats.org/markup-compatibility/2006">
+        <mc:Choice xmlns:a14="http://schemas.microsoft.com/office/drawing/2010/main" Requires="a14">
           <p:sp>
             <p:nvSpPr>
               <p:cNvPr id="4" name="TextBox 3">
@@ -3342,8 +3342,8 @@
             </p:nvSpPr>
             <p:spPr>
               <a:xfrm>
-                <a:off x="1485900" y="3143250"/>
-                <a:ext cx="1109022" cy="445507"/>
+                <a:off x="824760" y="3041583"/>
+                <a:ext cx="1750416" cy="676660"/>
               </a:xfrm>
               <a:prstGeom prst="rect">
                 <a:avLst/>
@@ -3366,14 +3366,20 @@
                       <m:sSubSup>
                         <m:sSubSupPr>
                           <m:ctrlPr>
-                            <a:rPr lang="en-US" i="1">
+                            <a:rPr lang="en-US" sz="3000" i="1" smtClean="0">
+                              <a:solidFill>
+                                <a:schemeClr val="tx1"/>
+                              </a:solidFill>
                               <a:latin typeface="Cambria Math" panose="02040503050406030204" pitchFamily="18" charset="0"/>
                             </a:rPr>
                           </m:ctrlPr>
                         </m:sSubSupPr>
                         <m:e>
                           <m:r>
-                            <a:rPr lang="en-US" b="1" i="1">
+                            <a:rPr lang="en-US" sz="3000" b="1" i="1">
+                              <a:solidFill>
+                                <a:schemeClr val="tx1"/>
+                              </a:solidFill>
                               <a:latin typeface="Cambria Math" panose="02040503050406030204" pitchFamily="18" charset="0"/>
                             </a:rPr>
                             <m:t>𝝁</m:t>
@@ -3381,7 +3387,10 @@
                         </m:e>
                         <m:sub>
                           <m:r>
-                            <a:rPr lang="en-US" i="1">
+                            <a:rPr lang="en-US" sz="3000" i="1">
+                              <a:solidFill>
+                                <a:schemeClr val="tx1"/>
+                              </a:solidFill>
                               <a:latin typeface="Cambria Math" panose="02040503050406030204" pitchFamily="18" charset="0"/>
                             </a:rPr>
                             <m:t>𝑑𝑐</m:t>
@@ -3389,19 +3398,28 @@
                         </m:sub>
                         <m:sup>
                           <m:r>
-                            <a:rPr lang="en-US" i="1">
+                            <a:rPr lang="en-US" sz="3000" i="1">
+                              <a:solidFill>
+                                <a:schemeClr val="tx1"/>
+                              </a:solidFill>
                               <a:latin typeface="Cambria Math" panose="02040503050406030204" pitchFamily="18" charset="0"/>
                             </a:rPr>
                             <m:t>(</m:t>
                           </m:r>
                           <m:r>
-                            <a:rPr lang="en-US" i="1">
+                            <a:rPr lang="en-US" sz="3000" i="1">
+                              <a:solidFill>
+                                <a:schemeClr val="tx1"/>
+                              </a:solidFill>
                               <a:latin typeface="Cambria Math" panose="02040503050406030204" pitchFamily="18" charset="0"/>
                             </a:rPr>
                             <m:t>𝑘</m:t>
                           </m:r>
                           <m:r>
-                            <a:rPr lang="en-US" i="1">
+                            <a:rPr lang="en-US" sz="3000" i="1">
+                              <a:solidFill>
+                                <a:schemeClr val="tx1"/>
+                              </a:solidFill>
                               <a:latin typeface="Cambria Math" panose="02040503050406030204" pitchFamily="18" charset="0"/>
                             </a:rPr>
                             <m:t>)</m:t>
@@ -3409,7 +3427,10 @@
                         </m:sup>
                       </m:sSubSup>
                       <m:r>
-                        <a:rPr lang="en-US" i="1">
+                        <a:rPr lang="en-US" sz="3000" i="1">
+                          <a:solidFill>
+                            <a:schemeClr val="tx1"/>
+                          </a:solidFill>
                           <a:latin typeface="Cambria Math" panose="02040503050406030204" pitchFamily="18" charset="0"/>
                         </a:rPr>
                         <m:t>,</m:t>
@@ -3417,14 +3438,20 @@
                       <m:sSubSup>
                         <m:sSubSupPr>
                           <m:ctrlPr>
-                            <a:rPr lang="en-US" i="1">
+                            <a:rPr lang="en-US" sz="3000" i="1">
+                              <a:solidFill>
+                                <a:schemeClr val="tx1"/>
+                              </a:solidFill>
                               <a:latin typeface="Cambria Math" panose="02040503050406030204" pitchFamily="18" charset="0"/>
                             </a:rPr>
                           </m:ctrlPr>
                         </m:sSubSupPr>
                         <m:e>
                           <m:r>
-                            <a:rPr lang="en-US" b="1" i="1">
+                            <a:rPr lang="en-US" sz="3000" b="1" i="1">
+                              <a:solidFill>
+                                <a:schemeClr val="tx1"/>
+                              </a:solidFill>
                               <a:latin typeface="Cambria Math" panose="02040503050406030204" pitchFamily="18" charset="0"/>
                             </a:rPr>
                             <m:t>𝚺</m:t>
@@ -3432,7 +3459,10 @@
                         </m:e>
                         <m:sub>
                           <m:r>
-                            <a:rPr lang="en-US" i="1">
+                            <a:rPr lang="en-US" sz="3000" i="1">
+                              <a:solidFill>
+                                <a:schemeClr val="tx1"/>
+                              </a:solidFill>
                               <a:latin typeface="Cambria Math" panose="02040503050406030204" pitchFamily="18" charset="0"/>
                             </a:rPr>
                             <m:t>𝑑𝑐</m:t>
@@ -3440,19 +3470,28 @@
                         </m:sub>
                         <m:sup>
                           <m:r>
-                            <a:rPr lang="en-US" i="1">
+                            <a:rPr lang="en-US" sz="3000" i="1">
+                              <a:solidFill>
+                                <a:schemeClr val="tx1"/>
+                              </a:solidFill>
                               <a:latin typeface="Cambria Math" panose="02040503050406030204" pitchFamily="18" charset="0"/>
                             </a:rPr>
                             <m:t>(</m:t>
                           </m:r>
                           <m:r>
-                            <a:rPr lang="en-US" i="1">
+                            <a:rPr lang="en-US" sz="3000" i="1">
+                              <a:solidFill>
+                                <a:schemeClr val="tx1"/>
+                              </a:solidFill>
                               <a:latin typeface="Cambria Math" panose="02040503050406030204" pitchFamily="18" charset="0"/>
                             </a:rPr>
                             <m:t>𝑘</m:t>
                           </m:r>
                           <m:r>
-                            <a:rPr lang="en-US" i="1">
+                            <a:rPr lang="en-US" sz="3000" i="1">
+                              <a:solidFill>
+                                <a:schemeClr val="tx1"/>
+                              </a:solidFill>
                               <a:latin typeface="Cambria Math" panose="02040503050406030204" pitchFamily="18" charset="0"/>
                             </a:rPr>
                             <m:t>)</m:t>
@@ -3462,12 +3501,16 @@
                     </m:oMath>
                   </m:oMathPara>
                 </a14:m>
-                <a:endParaRPr lang="en-US" dirty="0"/>
+                <a:endParaRPr lang="en-US" sz="3000" dirty="0">
+                  <a:solidFill>
+                    <a:schemeClr val="tx1"/>
+                  </a:solidFill>
+                </a:endParaRPr>
               </a:p>
             </p:txBody>
           </p:sp>
         </mc:Choice>
-        <mc:Fallback xmlns="">
+        <mc:Fallback>
           <p:sp>
             <p:nvSpPr>
               <p:cNvPr id="4" name="TextBox 3">
@@ -3484,8 +3527,8 @@
             </p:nvSpPr>
             <p:spPr>
               <a:xfrm>
-                <a:off x="1485900" y="3143250"/>
-                <a:ext cx="1109022" cy="445507"/>
+                <a:off x="824760" y="3041583"/>
+                <a:ext cx="1750416" cy="676660"/>
               </a:xfrm>
               <a:prstGeom prst="rect">
                 <a:avLst/>
@@ -3493,7 +3536,7 @@
               <a:blipFill>
                 <a:blip r:embed="rId2"/>
                 <a:stretch>
-                  <a:fillRect b="-4110"/>
+                  <a:fillRect/>
                 </a:stretch>
               </a:blipFill>
             </p:spPr>
@@ -3512,8 +3555,8 @@
           </p:sp>
         </mc:Fallback>
       </mc:AlternateContent>
-      <mc:AlternateContent xmlns:mc="http://schemas.openxmlformats.org/markup-compatibility/2006" xmlns:a14="http://schemas.microsoft.com/office/drawing/2010/main">
-        <mc:Choice Requires="a14">
+      <mc:AlternateContent xmlns:mc="http://schemas.openxmlformats.org/markup-compatibility/2006">
+        <mc:Choice xmlns:a14="http://schemas.microsoft.com/office/drawing/2010/main" Requires="a14">
           <p:sp>
             <p:nvSpPr>
               <p:cNvPr id="6" name="TextBox 5">
@@ -3528,8 +3571,8 @@
             </p:nvSpPr>
             <p:spPr>
               <a:xfrm>
-                <a:off x="4904784" y="3235036"/>
-                <a:ext cx="1259086" cy="387927"/>
+                <a:off x="4948369" y="3076195"/>
+                <a:ext cx="1259086" cy="585288"/>
               </a:xfrm>
               <a:prstGeom prst="rect">
                 <a:avLst/>
@@ -3552,9 +3595,9 @@
                       <m:sSup>
                         <m:sSupPr>
                           <m:ctrlPr>
-                            <a:rPr lang="en-US" b="1" i="1" smtClean="0">
+                            <a:rPr lang="en-US" sz="3000" b="1" i="1" smtClean="0">
                               <a:solidFill>
-                                <a:srgbClr val="836967"/>
+                                <a:schemeClr val="tx1"/>
                               </a:solidFill>
                               <a:latin typeface="Cambria Math" panose="02040503050406030204" pitchFamily="18" charset="0"/>
                             </a:rPr>
@@ -3562,7 +3605,10 @@
                         </m:sSupPr>
                         <m:e>
                           <m:r>
-                            <a:rPr lang="en-US" b="1" i="1">
+                            <a:rPr lang="en-US" sz="3000" b="1" i="1">
+                              <a:solidFill>
+                                <a:schemeClr val="tx1"/>
+                              </a:solidFill>
                               <a:latin typeface="Cambria Math" panose="02040503050406030204" pitchFamily="18" charset="0"/>
                             </a:rPr>
                             <m:t>𝒅</m:t>
@@ -3572,9 +3618,9 @@
                           <m:d>
                             <m:dPr>
                               <m:ctrlPr>
-                                <a:rPr lang="en-US" b="1" i="1">
+                                <a:rPr lang="en-US" sz="3000" b="1" i="1">
                                   <a:solidFill>
-                                    <a:srgbClr val="836967"/>
+                                    <a:schemeClr val="tx1"/>
                                   </a:solidFill>
                                   <a:latin typeface="Cambria Math" panose="02040503050406030204" pitchFamily="18" charset="0"/>
                                 </a:rPr>
@@ -3582,7 +3628,10 @@
                             </m:dPr>
                             <m:e>
                               <m:r>
-                                <a:rPr lang="en-US" b="0" i="1">
+                                <a:rPr lang="en-US" sz="3000" b="0" i="1">
+                                  <a:solidFill>
+                                    <a:schemeClr val="tx1"/>
+                                  </a:solidFill>
                                   <a:latin typeface="Cambria Math" panose="02040503050406030204" pitchFamily="18" charset="0"/>
                                 </a:rPr>
                                 <m:t>𝑘</m:t>
@@ -3592,7 +3641,10 @@
                         </m:sup>
                       </m:sSup>
                       <m:r>
-                        <a:rPr lang="en-US" b="0" i="0">
+                        <a:rPr lang="en-US" sz="3000" b="0" i="0">
+                          <a:solidFill>
+                            <a:schemeClr val="tx1"/>
+                          </a:solidFill>
                           <a:latin typeface="Cambria Math" panose="02040503050406030204" pitchFamily="18" charset="0"/>
                         </a:rPr>
                         <m:t>,</m:t>
@@ -3600,9 +3652,9 @@
                       <m:sSup>
                         <m:sSupPr>
                           <m:ctrlPr>
-                            <a:rPr lang="en-US" b="0" i="1">
+                            <a:rPr lang="en-US" sz="3000" b="0" i="1">
                               <a:solidFill>
-                                <a:srgbClr val="836967"/>
+                                <a:schemeClr val="tx1"/>
                               </a:solidFill>
                               <a:latin typeface="Cambria Math" panose="02040503050406030204" pitchFamily="18" charset="0"/>
                             </a:rPr>
@@ -3610,7 +3662,10 @@
                         </m:sSupPr>
                         <m:e>
                           <m:r>
-                            <a:rPr lang="en-US" b="1" i="1">
+                            <a:rPr lang="en-US" sz="3000" b="1" i="1">
+                              <a:solidFill>
+                                <a:schemeClr val="tx1"/>
+                              </a:solidFill>
                               <a:latin typeface="Cambria Math" panose="02040503050406030204" pitchFamily="18" charset="0"/>
                             </a:rPr>
                             <m:t>𝑪</m:t>
@@ -3620,14 +3675,20 @@
                           <m:d>
                             <m:dPr>
                               <m:ctrlPr>
-                                <a:rPr lang="en-US" b="1" i="1">
+                                <a:rPr lang="en-US" sz="3000" b="1" i="1">
+                                  <a:solidFill>
+                                    <a:schemeClr val="tx1"/>
+                                  </a:solidFill>
                                   <a:latin typeface="Cambria Math" panose="02040503050406030204" pitchFamily="18" charset="0"/>
                                 </a:rPr>
                               </m:ctrlPr>
                             </m:dPr>
                             <m:e>
                               <m:r>
-                                <a:rPr lang="en-US" b="0" i="1">
+                                <a:rPr lang="en-US" sz="3000" b="0" i="1">
+                                  <a:solidFill>
+                                    <a:schemeClr val="tx1"/>
+                                  </a:solidFill>
                                   <a:latin typeface="Cambria Math" panose="02040503050406030204" pitchFamily="18" charset="0"/>
                                 </a:rPr>
                                 <m:t>𝑘</m:t>
@@ -3639,12 +3700,16 @@
                     </m:oMath>
                   </m:oMathPara>
                 </a14:m>
-                <a:endParaRPr lang="en-US" dirty="0"/>
+                <a:endParaRPr lang="en-US" sz="3000" dirty="0">
+                  <a:solidFill>
+                    <a:schemeClr val="tx1"/>
+                  </a:solidFill>
+                </a:endParaRPr>
               </a:p>
             </p:txBody>
           </p:sp>
         </mc:Choice>
-        <mc:Fallback xmlns="">
+        <mc:Fallback>
           <p:sp>
             <p:nvSpPr>
               <p:cNvPr id="6" name="TextBox 5">
@@ -3661,14 +3726,362 @@
             </p:nvSpPr>
             <p:spPr>
               <a:xfrm>
-                <a:off x="4904784" y="3235036"/>
-                <a:ext cx="1259086" cy="387927"/>
+                <a:off x="4948369" y="3076195"/>
+                <a:ext cx="1259086" cy="585288"/>
               </a:xfrm>
               <a:prstGeom prst="rect">
                 <a:avLst/>
               </a:prstGeom>
               <a:blipFill>
                 <a:blip r:embed="rId3"/>
+                <a:stretch>
+                  <a:fillRect r="-21845"/>
+                </a:stretch>
+              </a:blipFill>
+            </p:spPr>
+            <p:txBody>
+              <a:bodyPr/>
+              <a:lstStyle/>
+              <a:p>
+                <a:r>
+                  <a:rPr lang="en-US">
+                    <a:noFill/>
+                  </a:rPr>
+                  <a:t> </a:t>
+                </a:r>
+              </a:p>
+            </p:txBody>
+          </p:sp>
+        </mc:Fallback>
+      </mc:AlternateContent>
+      <mc:AlternateContent xmlns:mc="http://schemas.openxmlformats.org/markup-compatibility/2006">
+        <mc:Choice xmlns:a14="http://schemas.microsoft.com/office/drawing/2010/main" Requires="a14">
+          <p:sp>
+            <p:nvSpPr>
+              <p:cNvPr id="10" name="TextBox 9">
+                <a:extLst>
+                  <a:ext uri="{FF2B5EF4-FFF2-40B4-BE49-F238E27FC236}">
+                    <a16:creationId xmlns:a16="http://schemas.microsoft.com/office/drawing/2014/main" id="{ECBA410B-E045-4DA8-8C14-ED5E06601D05}"/>
+                  </a:ext>
+                </a:extLst>
+              </p:cNvPr>
+              <p:cNvSpPr txBox="1"/>
+              <p:nvPr/>
+            </p:nvSpPr>
+            <p:spPr>
+              <a:xfrm>
+                <a:off x="6816680" y="2268452"/>
+                <a:ext cx="3096473" cy="779124"/>
+              </a:xfrm>
+              <a:prstGeom prst="rect">
+                <a:avLst/>
+              </a:prstGeom>
+              <a:noFill/>
+            </p:spPr>
+            <p:txBody>
+              <a:bodyPr wrap="square">
+                <a:spAutoFit/>
+              </a:bodyPr>
+              <a:lstStyle/>
+              <a:p>
+                <a14:m>
+                  <m:oMath xmlns:m="http://schemas.openxmlformats.org/officeDocument/2006/math">
+                    <m:d>
+                      <m:dPr>
+                        <m:begChr m:val="{"/>
+                        <m:endChr m:val="}"/>
+                        <m:ctrlPr>
+                          <a:rPr lang="en-US" sz="3000" i="1" smtClean="0">
+                            <a:solidFill>
+                              <a:schemeClr val="tx1"/>
+                            </a:solidFill>
+                            <a:effectLst/>
+                            <a:latin typeface="Cambria Math" panose="02040503050406030204" pitchFamily="18" charset="0"/>
+                            <a:ea typeface="等线" panose="02010600030101010101" pitchFamily="2" charset="-122"/>
+                            <a:cs typeface="Times New Roman" panose="02020603050405020304" pitchFamily="18" charset="0"/>
+                          </a:rPr>
+                        </m:ctrlPr>
+                      </m:dPr>
+                      <m:e>
+                        <m:sSubSup>
+                          <m:sSubSupPr>
+                            <m:ctrlPr>
+                              <a:rPr lang="en-US" sz="3000" i="1">
+                                <a:solidFill>
+                                  <a:schemeClr val="tx1"/>
+                                </a:solidFill>
+                                <a:effectLst/>
+                                <a:latin typeface="Cambria Math" panose="02040503050406030204" pitchFamily="18" charset="0"/>
+                              </a:rPr>
+                            </m:ctrlPr>
+                          </m:sSubSupPr>
+                          <m:e>
+                            <m:r>
+                              <a:rPr lang="en-US" sz="3000" i="1">
+                                <a:solidFill>
+                                  <a:schemeClr val="tx1"/>
+                                </a:solidFill>
+                                <a:effectLst/>
+                                <a:latin typeface="Cambria Math" panose="02040503050406030204" pitchFamily="18" charset="0"/>
+                                <a:ea typeface="等线" panose="02010600030101010101" pitchFamily="2" charset="-122"/>
+                                <a:cs typeface="Times New Roman" panose="02020603050405020304" pitchFamily="18" charset="0"/>
+                              </a:rPr>
+                              <m:t>𝑑</m:t>
+                            </m:r>
+                          </m:e>
+                          <m:sub>
+                            <m:r>
+                              <a:rPr lang="en-US" sz="3000" i="1">
+                                <a:solidFill>
+                                  <a:schemeClr val="tx1"/>
+                                </a:solidFill>
+                                <a:effectLst/>
+                                <a:latin typeface="Cambria Math" panose="02040503050406030204" pitchFamily="18" charset="0"/>
+                                <a:ea typeface="等线" panose="02010600030101010101" pitchFamily="2" charset="-122"/>
+                                <a:cs typeface="Times New Roman" panose="02020603050405020304" pitchFamily="18" charset="0"/>
+                              </a:rPr>
+                              <m:t>𝑖</m:t>
+                            </m:r>
+                          </m:sub>
+                          <m:sup>
+                            <m:d>
+                              <m:dPr>
+                                <m:ctrlPr>
+                                  <a:rPr lang="en-US" sz="3000" i="1">
+                                    <a:solidFill>
+                                      <a:schemeClr val="tx1"/>
+                                    </a:solidFill>
+                                    <a:effectLst/>
+                                    <a:latin typeface="Cambria Math" panose="02040503050406030204" pitchFamily="18" charset="0"/>
+                                  </a:rPr>
+                                </m:ctrlPr>
+                              </m:dPr>
+                              <m:e>
+                                <m:r>
+                                  <a:rPr lang="en-US" sz="3000" i="1">
+                                    <a:solidFill>
+                                      <a:schemeClr val="tx1"/>
+                                    </a:solidFill>
+                                    <a:effectLst/>
+                                    <a:latin typeface="Cambria Math" panose="02040503050406030204" pitchFamily="18" charset="0"/>
+                                    <a:ea typeface="等线" panose="02010600030101010101" pitchFamily="2" charset="-122"/>
+                                    <a:cs typeface="Times New Roman" panose="02020603050405020304" pitchFamily="18" charset="0"/>
+                                  </a:rPr>
+                                  <m:t>𝑘</m:t>
+                                </m:r>
+                              </m:e>
+                            </m:d>
+                          </m:sup>
+                        </m:sSubSup>
+                        <m:r>
+                          <a:rPr lang="en-US" sz="3000" i="1">
+                            <a:solidFill>
+                              <a:schemeClr val="tx1"/>
+                            </a:solidFill>
+                            <a:effectLst/>
+                            <a:latin typeface="Cambria Math" panose="02040503050406030204" pitchFamily="18" charset="0"/>
+                            <a:ea typeface="等线" panose="02010600030101010101" pitchFamily="2" charset="-122"/>
+                            <a:cs typeface="Times New Roman" panose="02020603050405020304" pitchFamily="18" charset="0"/>
+                          </a:rPr>
+                          <m:t>,</m:t>
+                        </m:r>
+                        <m:sSubSup>
+                          <m:sSubSupPr>
+                            <m:ctrlPr>
+                              <a:rPr lang="en-US" sz="3000" i="1">
+                                <a:solidFill>
+                                  <a:schemeClr val="tx1"/>
+                                </a:solidFill>
+                                <a:effectLst/>
+                                <a:latin typeface="Cambria Math" panose="02040503050406030204" pitchFamily="18" charset="0"/>
+                              </a:rPr>
+                            </m:ctrlPr>
+                          </m:sSubSupPr>
+                          <m:e>
+                            <m:r>
+                              <a:rPr lang="en-US" sz="3000" b="1" i="1">
+                                <a:solidFill>
+                                  <a:schemeClr val="tx1"/>
+                                </a:solidFill>
+                                <a:effectLst/>
+                                <a:latin typeface="Cambria Math" panose="02040503050406030204" pitchFamily="18" charset="0"/>
+                                <a:ea typeface="等线" panose="02010600030101010101" pitchFamily="2" charset="-122"/>
+                                <a:cs typeface="Times New Roman" panose="02020603050405020304" pitchFamily="18" charset="0"/>
+                              </a:rPr>
+                              <m:t>𝒄</m:t>
+                            </m:r>
+                          </m:e>
+                          <m:sub>
+                            <m:r>
+                              <a:rPr lang="en-US" sz="3000" i="1">
+                                <a:solidFill>
+                                  <a:schemeClr val="tx1"/>
+                                </a:solidFill>
+                                <a:effectLst/>
+                                <a:latin typeface="Cambria Math" panose="02040503050406030204" pitchFamily="18" charset="0"/>
+                                <a:ea typeface="等线" panose="02010600030101010101" pitchFamily="2" charset="-122"/>
+                                <a:cs typeface="Times New Roman" panose="02020603050405020304" pitchFamily="18" charset="0"/>
+                              </a:rPr>
+                              <m:t>𝑖</m:t>
+                            </m:r>
+                          </m:sub>
+                          <m:sup>
+                            <m:d>
+                              <m:dPr>
+                                <m:ctrlPr>
+                                  <a:rPr lang="en-US" sz="3000" i="1">
+                                    <a:solidFill>
+                                      <a:schemeClr val="tx1"/>
+                                    </a:solidFill>
+                                    <a:effectLst/>
+                                    <a:latin typeface="Cambria Math" panose="02040503050406030204" pitchFamily="18" charset="0"/>
+                                  </a:rPr>
+                                </m:ctrlPr>
+                              </m:dPr>
+                              <m:e>
+                                <m:r>
+                                  <a:rPr lang="en-US" sz="3000" i="1">
+                                    <a:solidFill>
+                                      <a:schemeClr val="tx1"/>
+                                    </a:solidFill>
+                                    <a:effectLst/>
+                                    <a:latin typeface="Cambria Math" panose="02040503050406030204" pitchFamily="18" charset="0"/>
+                                    <a:ea typeface="等线" panose="02010600030101010101" pitchFamily="2" charset="-122"/>
+                                    <a:cs typeface="Times New Roman" panose="02020603050405020304" pitchFamily="18" charset="0"/>
+                                  </a:rPr>
+                                  <m:t>𝑘</m:t>
+                                </m:r>
+                              </m:e>
+                            </m:d>
+                          </m:sup>
+                        </m:sSubSup>
+                        <m:r>
+                          <a:rPr lang="en-US" sz="3000" i="1">
+                            <a:solidFill>
+                              <a:schemeClr val="tx1"/>
+                            </a:solidFill>
+                            <a:effectLst/>
+                            <a:latin typeface="Cambria Math" panose="02040503050406030204" pitchFamily="18" charset="0"/>
+                            <a:ea typeface="等线" panose="02010600030101010101" pitchFamily="2" charset="-122"/>
+                            <a:cs typeface="Times New Roman" panose="02020603050405020304" pitchFamily="18" charset="0"/>
+                          </a:rPr>
+                          <m:t>:</m:t>
+                        </m:r>
+                        <m:sSub>
+                          <m:sSubPr>
+                            <m:ctrlPr>
+                              <a:rPr lang="en-US" sz="3000" i="1">
+                                <a:solidFill>
+                                  <a:schemeClr val="tx1"/>
+                                </a:solidFill>
+                                <a:effectLst/>
+                                <a:latin typeface="Cambria Math" panose="02040503050406030204" pitchFamily="18" charset="0"/>
+                              </a:rPr>
+                            </m:ctrlPr>
+                          </m:sSubPr>
+                          <m:e>
+                            <m:r>
+                              <a:rPr lang="en-US" sz="3000" i="1">
+                                <a:solidFill>
+                                  <a:schemeClr val="tx1"/>
+                                </a:solidFill>
+                                <a:effectLst/>
+                                <a:latin typeface="Cambria Math" panose="02040503050406030204" pitchFamily="18" charset="0"/>
+                                <a:ea typeface="等线" panose="02010600030101010101" pitchFamily="2" charset="-122"/>
+                                <a:cs typeface="Times New Roman" panose="02020603050405020304" pitchFamily="18" charset="0"/>
+                              </a:rPr>
+                              <m:t>𝑧</m:t>
+                            </m:r>
+                          </m:e>
+                          <m:sub>
+                            <m:r>
+                              <a:rPr lang="en-US" sz="3000" i="1">
+                                <a:solidFill>
+                                  <a:schemeClr val="tx1"/>
+                                </a:solidFill>
+                                <a:effectLst/>
+                                <a:latin typeface="Cambria Math" panose="02040503050406030204" pitchFamily="18" charset="0"/>
+                                <a:ea typeface="等线" panose="02010600030101010101" pitchFamily="2" charset="-122"/>
+                                <a:cs typeface="Times New Roman" panose="02020603050405020304" pitchFamily="18" charset="0"/>
+                              </a:rPr>
+                              <m:t>𝑖</m:t>
+                            </m:r>
+                          </m:sub>
+                        </m:sSub>
+                        <m:r>
+                          <a:rPr lang="en-US" sz="3000" i="1">
+                            <a:solidFill>
+                              <a:schemeClr val="tx1"/>
+                            </a:solidFill>
+                            <a:effectLst/>
+                            <a:latin typeface="Cambria Math" panose="02040503050406030204" pitchFamily="18" charset="0"/>
+                            <a:ea typeface="等线" panose="02010600030101010101" pitchFamily="2" charset="-122"/>
+                            <a:cs typeface="Times New Roman" panose="02020603050405020304" pitchFamily="18" charset="0"/>
+                          </a:rPr>
+                          <m:t>=</m:t>
+                        </m:r>
+                        <m:r>
+                          <a:rPr lang="en-US" sz="3000" i="1">
+                            <a:solidFill>
+                              <a:schemeClr val="tx1"/>
+                            </a:solidFill>
+                            <a:effectLst/>
+                            <a:latin typeface="Cambria Math" panose="02040503050406030204" pitchFamily="18" charset="0"/>
+                            <a:ea typeface="等线" panose="02010600030101010101" pitchFamily="2" charset="-122"/>
+                            <a:cs typeface="Times New Roman" panose="02020603050405020304" pitchFamily="18" charset="0"/>
+                          </a:rPr>
+                          <m:t>𝑘</m:t>
+                        </m:r>
+                      </m:e>
+                    </m:d>
+                  </m:oMath>
+                </a14:m>
+                <a:r>
+                  <a:rPr lang="en-US" sz="3000" dirty="0">
+                    <a:solidFill>
+                      <a:schemeClr val="tx1"/>
+                    </a:solidFill>
+                    <a:effectLst/>
+                    <a:latin typeface="Calibri" panose="020F0502020204030204" pitchFamily="34" charset="0"/>
+                    <a:ea typeface="等线" panose="02010600030101010101" pitchFamily="2" charset="-122"/>
+                    <a:cs typeface="Times New Roman" panose="02020603050405020304" pitchFamily="18" charset="0"/>
+                  </a:rPr>
+                  <a:t> </a:t>
+                </a:r>
+                <a:endParaRPr lang="en-US" sz="3000" dirty="0">
+                  <a:solidFill>
+                    <a:schemeClr val="tx1"/>
+                  </a:solidFill>
+                </a:endParaRPr>
+              </a:p>
+            </p:txBody>
+          </p:sp>
+        </mc:Choice>
+        <mc:Fallback>
+          <p:sp>
+            <p:nvSpPr>
+              <p:cNvPr id="10" name="TextBox 9">
+                <a:extLst>
+                  <a:ext uri="{FF2B5EF4-FFF2-40B4-BE49-F238E27FC236}">
+                    <a16:creationId xmlns:a16="http://schemas.microsoft.com/office/drawing/2014/main" id="{ECBA410B-E045-4DA8-8C14-ED5E06601D05}"/>
+                  </a:ext>
+                </a:extLst>
+              </p:cNvPr>
+              <p:cNvSpPr txBox="1">
+                <a:spLocks noRot="1" noChangeAspect="1" noMove="1" noResize="1" noEditPoints="1" noAdjustHandles="1" noChangeArrowheads="1" noChangeShapeType="1" noTextEdit="1"/>
+              </p:cNvSpPr>
+              <p:nvPr/>
+            </p:nvSpPr>
+            <p:spPr>
+              <a:xfrm>
+                <a:off x="6816680" y="2268452"/>
+                <a:ext cx="3096473" cy="779124"/>
+              </a:xfrm>
+              <a:prstGeom prst="rect">
+                <a:avLst/>
+              </a:prstGeom>
+              <a:blipFill>
+                <a:blip r:embed="rId4"/>
                 <a:stretch>
                   <a:fillRect/>
                 </a:stretch>
@@ -3689,297 +4102,8 @@
           </p:sp>
         </mc:Fallback>
       </mc:AlternateContent>
-      <mc:AlternateContent xmlns:mc="http://schemas.openxmlformats.org/markup-compatibility/2006" xmlns:a14="http://schemas.microsoft.com/office/drawing/2010/main">
-        <mc:Choice Requires="a14">
-          <p:sp>
-            <p:nvSpPr>
-              <p:cNvPr id="10" name="TextBox 9">
-                <a:extLst>
-                  <a:ext uri="{FF2B5EF4-FFF2-40B4-BE49-F238E27FC236}">
-                    <a16:creationId xmlns:a16="http://schemas.microsoft.com/office/drawing/2014/main" id="{ECBA410B-E045-4DA8-8C14-ED5E06601D05}"/>
-                  </a:ext>
-                </a:extLst>
-              </p:cNvPr>
-              <p:cNvSpPr txBox="1"/>
-              <p:nvPr/>
-            </p:nvSpPr>
-            <p:spPr>
-              <a:xfrm>
-                <a:off x="6602610" y="2492327"/>
-                <a:ext cx="1955603" cy="441403"/>
-              </a:xfrm>
-              <a:prstGeom prst="rect">
-                <a:avLst/>
-              </a:prstGeom>
-              <a:noFill/>
-            </p:spPr>
-            <p:txBody>
-              <a:bodyPr wrap="square">
-                <a:spAutoFit/>
-              </a:bodyPr>
-              <a:lstStyle/>
-              <a:p>
-                <a14:m>
-                  <m:oMath xmlns:m="http://schemas.openxmlformats.org/officeDocument/2006/math">
-                    <m:r>
-                      <a:rPr lang="en-US" sz="1800" i="1" smtClean="0">
-                        <a:effectLst/>
-                        <a:latin typeface="Cambria Math" panose="02040503050406030204" pitchFamily="18" charset="0"/>
-                        <a:ea typeface="等线" panose="02010600030101010101" pitchFamily="2" charset="-122"/>
-                        <a:cs typeface="Times New Roman" panose="02020603050405020304" pitchFamily="18" charset="0"/>
-                      </a:rPr>
-                      <m:t>{</m:t>
-                    </m:r>
-                    <m:sSubSup>
-                      <m:sSubSupPr>
-                        <m:ctrlPr>
-                          <a:rPr lang="en-US" i="1">
-                            <a:effectLst/>
-                            <a:latin typeface="Cambria Math" panose="02040503050406030204" pitchFamily="18" charset="0"/>
-                          </a:rPr>
-                        </m:ctrlPr>
-                      </m:sSubSupPr>
-                      <m:e>
-                        <m:r>
-                          <a:rPr lang="en-US" sz="1800" i="1">
-                            <a:effectLst/>
-                            <a:latin typeface="Cambria Math" panose="02040503050406030204" pitchFamily="18" charset="0"/>
-                            <a:ea typeface="等线" panose="02010600030101010101" pitchFamily="2" charset="-122"/>
-                            <a:cs typeface="Times New Roman" panose="02020603050405020304" pitchFamily="18" charset="0"/>
-                          </a:rPr>
-                          <m:t>𝑑</m:t>
-                        </m:r>
-                      </m:e>
-                      <m:sub>
-                        <m:r>
-                          <a:rPr lang="en-US" sz="1800" i="1">
-                            <a:effectLst/>
-                            <a:latin typeface="Cambria Math" panose="02040503050406030204" pitchFamily="18" charset="0"/>
-                            <a:ea typeface="等线" panose="02010600030101010101" pitchFamily="2" charset="-122"/>
-                            <a:cs typeface="Times New Roman" panose="02020603050405020304" pitchFamily="18" charset="0"/>
-                          </a:rPr>
-                          <m:t>𝑖</m:t>
-                        </m:r>
-                      </m:sub>
-                      <m:sup>
-                        <m:d>
-                          <m:dPr>
-                            <m:ctrlPr>
-                              <a:rPr lang="en-US" i="1">
-                                <a:effectLst/>
-                                <a:latin typeface="Cambria Math" panose="02040503050406030204" pitchFamily="18" charset="0"/>
-                              </a:rPr>
-                            </m:ctrlPr>
-                          </m:dPr>
-                          <m:e>
-                            <m:r>
-                              <a:rPr lang="en-US" sz="1800" i="1">
-                                <a:effectLst/>
-                                <a:latin typeface="Cambria Math" panose="02040503050406030204" pitchFamily="18" charset="0"/>
-                                <a:ea typeface="等线" panose="02010600030101010101" pitchFamily="2" charset="-122"/>
-                                <a:cs typeface="Times New Roman" panose="02020603050405020304" pitchFamily="18" charset="0"/>
-                              </a:rPr>
-                              <m:t>𝑘</m:t>
-                            </m:r>
-                          </m:e>
-                        </m:d>
-                      </m:sup>
-                    </m:sSubSup>
-                    <m:r>
-                      <a:rPr lang="en-US" sz="1800" i="1">
-                        <a:effectLst/>
-                        <a:latin typeface="Cambria Math" panose="02040503050406030204" pitchFamily="18" charset="0"/>
-                        <a:ea typeface="等线" panose="02010600030101010101" pitchFamily="2" charset="-122"/>
-                        <a:cs typeface="Times New Roman" panose="02020603050405020304" pitchFamily="18" charset="0"/>
-                      </a:rPr>
-                      <m:t>,</m:t>
-                    </m:r>
-                    <m:sSubSup>
-                      <m:sSubSupPr>
-                        <m:ctrlPr>
-                          <a:rPr lang="en-US" i="1">
-                            <a:effectLst/>
-                            <a:latin typeface="Cambria Math" panose="02040503050406030204" pitchFamily="18" charset="0"/>
-                          </a:rPr>
-                        </m:ctrlPr>
-                      </m:sSubSupPr>
-                      <m:e>
-                        <m:r>
-                          <a:rPr lang="en-US" sz="1800" b="1" i="1">
-                            <a:effectLst/>
-                            <a:latin typeface="Cambria Math" panose="02040503050406030204" pitchFamily="18" charset="0"/>
-                            <a:ea typeface="等线" panose="02010600030101010101" pitchFamily="2" charset="-122"/>
-                            <a:cs typeface="Times New Roman" panose="02020603050405020304" pitchFamily="18" charset="0"/>
-                          </a:rPr>
-                          <m:t>𝒄</m:t>
-                        </m:r>
-                      </m:e>
-                      <m:sub>
-                        <m:r>
-                          <a:rPr lang="en-US" sz="1800" i="1">
-                            <a:effectLst/>
-                            <a:latin typeface="Cambria Math" panose="02040503050406030204" pitchFamily="18" charset="0"/>
-                            <a:ea typeface="等线" panose="02010600030101010101" pitchFamily="2" charset="-122"/>
-                            <a:cs typeface="Times New Roman" panose="02020603050405020304" pitchFamily="18" charset="0"/>
-                          </a:rPr>
-                          <m:t>𝑖</m:t>
-                        </m:r>
-                      </m:sub>
-                      <m:sup>
-                        <m:d>
-                          <m:dPr>
-                            <m:ctrlPr>
-                              <a:rPr lang="en-US" i="1">
-                                <a:effectLst/>
-                                <a:latin typeface="Cambria Math" panose="02040503050406030204" pitchFamily="18" charset="0"/>
-                              </a:rPr>
-                            </m:ctrlPr>
-                          </m:dPr>
-                          <m:e>
-                            <m:r>
-                              <a:rPr lang="en-US" sz="1800" i="1">
-                                <a:effectLst/>
-                                <a:latin typeface="Cambria Math" panose="02040503050406030204" pitchFamily="18" charset="0"/>
-                                <a:ea typeface="等线" panose="02010600030101010101" pitchFamily="2" charset="-122"/>
-                                <a:cs typeface="Times New Roman" panose="02020603050405020304" pitchFamily="18" charset="0"/>
-                              </a:rPr>
-                              <m:t>𝑘</m:t>
-                            </m:r>
-                          </m:e>
-                        </m:d>
-                      </m:sup>
-                    </m:sSubSup>
-                    <m:r>
-                      <a:rPr lang="en-US" sz="1800" i="1">
-                        <a:effectLst/>
-                        <a:latin typeface="Cambria Math" panose="02040503050406030204" pitchFamily="18" charset="0"/>
-                        <a:ea typeface="等线" panose="02010600030101010101" pitchFamily="2" charset="-122"/>
-                        <a:cs typeface="Times New Roman" panose="02020603050405020304" pitchFamily="18" charset="0"/>
-                      </a:rPr>
-                      <m:t>:</m:t>
-                    </m:r>
-                    <m:sSub>
-                      <m:sSubPr>
-                        <m:ctrlPr>
-                          <a:rPr lang="en-US" i="1">
-                            <a:effectLst/>
-                            <a:latin typeface="Cambria Math" panose="02040503050406030204" pitchFamily="18" charset="0"/>
-                          </a:rPr>
-                        </m:ctrlPr>
-                      </m:sSubPr>
-                      <m:e>
-                        <m:r>
-                          <a:rPr lang="en-US" sz="1800" i="1">
-                            <a:effectLst/>
-                            <a:latin typeface="Cambria Math" panose="02040503050406030204" pitchFamily="18" charset="0"/>
-                            <a:ea typeface="等线" panose="02010600030101010101" pitchFamily="2" charset="-122"/>
-                            <a:cs typeface="Times New Roman" panose="02020603050405020304" pitchFamily="18" charset="0"/>
-                          </a:rPr>
-                          <m:t>𝑧</m:t>
-                        </m:r>
-                      </m:e>
-                      <m:sub>
-                        <m:r>
-                          <a:rPr lang="en-US" sz="1800" i="1">
-                            <a:effectLst/>
-                            <a:latin typeface="Cambria Math" panose="02040503050406030204" pitchFamily="18" charset="0"/>
-                            <a:ea typeface="等线" panose="02010600030101010101" pitchFamily="2" charset="-122"/>
-                            <a:cs typeface="Times New Roman" panose="02020603050405020304" pitchFamily="18" charset="0"/>
-                          </a:rPr>
-                          <m:t>𝑖</m:t>
-                        </m:r>
-                      </m:sub>
-                    </m:sSub>
-                    <m:r>
-                      <a:rPr lang="en-US" sz="1800" i="1">
-                        <a:effectLst/>
-                        <a:latin typeface="Cambria Math" panose="02040503050406030204" pitchFamily="18" charset="0"/>
-                        <a:ea typeface="等线" panose="02010600030101010101" pitchFamily="2" charset="-122"/>
-                        <a:cs typeface="Times New Roman" panose="02020603050405020304" pitchFamily="18" charset="0"/>
-                      </a:rPr>
-                      <m:t>=</m:t>
-                    </m:r>
-                    <m:r>
-                      <a:rPr lang="en-US" sz="1800" i="1">
-                        <a:effectLst/>
-                        <a:latin typeface="Cambria Math" panose="02040503050406030204" pitchFamily="18" charset="0"/>
-                        <a:ea typeface="等线" panose="02010600030101010101" pitchFamily="2" charset="-122"/>
-                        <a:cs typeface="Times New Roman" panose="02020603050405020304" pitchFamily="18" charset="0"/>
-                      </a:rPr>
-                      <m:t>𝑘</m:t>
-                    </m:r>
-                    <m:r>
-                      <a:rPr lang="en-US" sz="1800" i="1">
-                        <a:effectLst/>
-                        <a:latin typeface="Cambria Math" panose="02040503050406030204" pitchFamily="18" charset="0"/>
-                        <a:ea typeface="等线" panose="02010600030101010101" pitchFamily="2" charset="-122"/>
-                        <a:cs typeface="Times New Roman" panose="02020603050405020304" pitchFamily="18" charset="0"/>
-                      </a:rPr>
-                      <m:t>}</m:t>
-                    </m:r>
-                  </m:oMath>
-                </a14:m>
-                <a:r>
-                  <a:rPr lang="en-US" sz="1800" dirty="0">
-                    <a:effectLst/>
-                    <a:latin typeface="Calibri" panose="020F0502020204030204" pitchFamily="34" charset="0"/>
-                    <a:ea typeface="等线" panose="02010600030101010101" pitchFamily="2" charset="-122"/>
-                    <a:cs typeface="Times New Roman" panose="02020603050405020304" pitchFamily="18" charset="0"/>
-                  </a:rPr>
-                  <a:t> </a:t>
-                </a:r>
-                <a:endParaRPr lang="en-US" dirty="0"/>
-              </a:p>
-            </p:txBody>
-          </p:sp>
-        </mc:Choice>
-        <mc:Fallback xmlns="">
-          <p:sp>
-            <p:nvSpPr>
-              <p:cNvPr id="10" name="TextBox 9">
-                <a:extLst>
-                  <a:ext uri="{FF2B5EF4-FFF2-40B4-BE49-F238E27FC236}">
-                    <a16:creationId xmlns:a16="http://schemas.microsoft.com/office/drawing/2014/main" id="{ECBA410B-E045-4DA8-8C14-ED5E06601D05}"/>
-                  </a:ext>
-                </a:extLst>
-              </p:cNvPr>
-              <p:cNvSpPr txBox="1">
-                <a:spLocks noRot="1" noChangeAspect="1" noMove="1" noResize="1" noEditPoints="1" noAdjustHandles="1" noChangeArrowheads="1" noChangeShapeType="1" noTextEdit="1"/>
-              </p:cNvSpPr>
-              <p:nvPr/>
-            </p:nvSpPr>
-            <p:spPr>
-              <a:xfrm>
-                <a:off x="6602610" y="2492327"/>
-                <a:ext cx="1955603" cy="441403"/>
-              </a:xfrm>
-              <a:prstGeom prst="rect">
-                <a:avLst/>
-              </a:prstGeom>
-              <a:blipFill>
-                <a:blip r:embed="rId4"/>
-                <a:stretch>
-                  <a:fillRect l="-935" b="-11111"/>
-                </a:stretch>
-              </a:blipFill>
-            </p:spPr>
-            <p:txBody>
-              <a:bodyPr/>
-              <a:lstStyle/>
-              <a:p>
-                <a:r>
-                  <a:rPr lang="en-US">
-                    <a:noFill/>
-                  </a:rPr>
-                  <a:t> </a:t>
-                </a:r>
-              </a:p>
-            </p:txBody>
-          </p:sp>
-        </mc:Fallback>
-      </mc:AlternateContent>
-      <mc:AlternateContent xmlns:mc="http://schemas.openxmlformats.org/markup-compatibility/2006" xmlns:a14="http://schemas.microsoft.com/office/drawing/2010/main">
-        <mc:Choice Requires="a14">
+      <mc:AlternateContent xmlns:mc="http://schemas.openxmlformats.org/markup-compatibility/2006">
+        <mc:Choice xmlns:a14="http://schemas.microsoft.com/office/drawing/2010/main" Requires="a14">
           <p:sp>
             <p:nvSpPr>
               <p:cNvPr id="12" name="TextBox 11">
@@ -3994,8 +4118,8 @@
             </p:nvSpPr>
             <p:spPr>
               <a:xfrm>
-                <a:off x="4207668" y="3892785"/>
-                <a:ext cx="6643686" cy="504369"/>
+                <a:off x="6886718" y="3672120"/>
+                <a:ext cx="3096473" cy="779124"/>
               </a:xfrm>
               <a:prstGeom prst="rect">
                 <a:avLst/>
@@ -4021,9 +4145,9 @@
                           <m:endChr m:val="}"/>
                           <m:sepChr m:val=","/>
                           <m:ctrlPr>
-                            <a:rPr lang="en-US" i="1" smtClean="0">
+                            <a:rPr lang="en-US" sz="3000" i="1" smtClean="0">
                               <a:solidFill>
-                                <a:srgbClr val="836967"/>
+                                <a:schemeClr val="tx1"/>
                               </a:solidFill>
                               <a:latin typeface="Cambria Math" panose="02040503050406030204" pitchFamily="18" charset="0"/>
                             </a:rPr>
@@ -4033,9 +4157,9 @@
                           <m:sSubSup>
                             <m:sSubSupPr>
                               <m:ctrlPr>
-                                <a:rPr lang="en-US" i="1">
+                                <a:rPr lang="en-US" sz="3000" i="1">
                                   <a:solidFill>
-                                    <a:srgbClr val="836967"/>
+                                    <a:schemeClr val="tx1"/>
                                   </a:solidFill>
                                   <a:latin typeface="Cambria Math" panose="02040503050406030204" pitchFamily="18" charset="0"/>
                                 </a:rPr>
@@ -4043,7 +4167,10 @@
                             </m:sSubSupPr>
                             <m:e>
                               <m:r>
-                                <a:rPr lang="en-US" i="1">
+                                <a:rPr lang="en-US" sz="3000" i="1">
+                                  <a:solidFill>
+                                    <a:schemeClr val="tx1"/>
+                                  </a:solidFill>
                                   <a:latin typeface="Cambria Math" panose="02040503050406030204" pitchFamily="18" charset="0"/>
                                 </a:rPr>
                                 <m:t>𝑑</m:t>
@@ -4051,7 +4178,10 @@
                             </m:e>
                             <m:sub>
                               <m:r>
-                                <a:rPr lang="en-US" i="1">
+                                <a:rPr lang="en-US" sz="3000" i="1">
+                                  <a:solidFill>
+                                    <a:schemeClr val="tx1"/>
+                                  </a:solidFill>
                                   <a:latin typeface="Cambria Math" panose="02040503050406030204" pitchFamily="18" charset="0"/>
                                 </a:rPr>
                                 <m:t>𝑖</m:t>
@@ -4061,9 +4191,9 @@
                               <m:d>
                                 <m:dPr>
                                   <m:ctrlPr>
-                                    <a:rPr lang="en-US" i="1">
+                                    <a:rPr lang="en-US" sz="3000" i="1">
                                       <a:solidFill>
-                                        <a:srgbClr val="836967"/>
+                                        <a:schemeClr val="tx1"/>
                                       </a:solidFill>
                                       <a:latin typeface="Cambria Math" panose="02040503050406030204" pitchFamily="18" charset="0"/>
                                     </a:rPr>
@@ -4071,7 +4201,10 @@
                                 </m:dPr>
                                 <m:e>
                                   <m:r>
-                                    <a:rPr lang="en-US" i="1">
+                                    <a:rPr lang="en-US" sz="3000" i="1">
+                                      <a:solidFill>
+                                        <a:schemeClr val="tx1"/>
+                                      </a:solidFill>
                                       <a:latin typeface="Cambria Math" panose="02040503050406030204" pitchFamily="18" charset="0"/>
                                     </a:rPr>
                                     <m:t>𝑘</m:t>
@@ -4085,9 +4218,9 @@
                           <m:sSubSup>
                             <m:sSubSupPr>
                               <m:ctrlPr>
-                                <a:rPr lang="en-US" i="1">
+                                <a:rPr lang="en-US" sz="3000" i="1">
                                   <a:solidFill>
-                                    <a:srgbClr val="836967"/>
+                                    <a:schemeClr val="tx1"/>
                                   </a:solidFill>
                                   <a:latin typeface="Cambria Math" panose="02040503050406030204" pitchFamily="18" charset="0"/>
                                 </a:rPr>
@@ -4095,7 +4228,10 @@
                             </m:sSubSupPr>
                             <m:e>
                               <m:r>
-                                <a:rPr lang="en-US" b="1" i="1">
+                                <a:rPr lang="en-US" sz="3000" b="1" i="1">
+                                  <a:solidFill>
+                                    <a:schemeClr val="tx1"/>
+                                  </a:solidFill>
                                   <a:latin typeface="Cambria Math" panose="02040503050406030204" pitchFamily="18" charset="0"/>
                                 </a:rPr>
                                 <m:t>𝒄</m:t>
@@ -4103,7 +4239,10 @@
                             </m:e>
                             <m:sub>
                               <m:r>
-                                <a:rPr lang="en-US" b="0" i="1">
+                                <a:rPr lang="en-US" sz="3000" b="0" i="1">
+                                  <a:solidFill>
+                                    <a:schemeClr val="tx1"/>
+                                  </a:solidFill>
                                   <a:latin typeface="Cambria Math" panose="02040503050406030204" pitchFamily="18" charset="0"/>
                                 </a:rPr>
                                 <m:t>𝑖</m:t>
@@ -4113,9 +4252,9 @@
                               <m:d>
                                 <m:dPr>
                                   <m:ctrlPr>
-                                    <a:rPr lang="en-US" b="0" i="1">
+                                    <a:rPr lang="en-US" sz="3000" b="0" i="1">
                                       <a:solidFill>
-                                        <a:srgbClr val="836967"/>
+                                        <a:schemeClr val="tx1"/>
                                       </a:solidFill>
                                       <a:latin typeface="Cambria Math" panose="02040503050406030204" pitchFamily="18" charset="0"/>
                                     </a:rPr>
@@ -4123,7 +4262,10 @@
                                 </m:dPr>
                                 <m:e>
                                   <m:r>
-                                    <a:rPr lang="en-US" b="0" i="1">
+                                    <a:rPr lang="en-US" sz="3000" b="0" i="1">
+                                      <a:solidFill>
+                                        <a:schemeClr val="tx1"/>
+                                      </a:solidFill>
                                       <a:latin typeface="Cambria Math" panose="02040503050406030204" pitchFamily="18" charset="0"/>
                                     </a:rPr>
                                     <m:t>𝑘</m:t>
@@ -4133,7 +4275,10 @@
                             </m:sup>
                           </m:sSubSup>
                           <m:r>
-                            <a:rPr lang="en-US" b="0" i="0">
+                            <a:rPr lang="en-US" sz="3000" b="0" i="0">
+                              <a:solidFill>
+                                <a:schemeClr val="tx1"/>
+                              </a:solidFill>
                               <a:latin typeface="Cambria Math" panose="02040503050406030204" pitchFamily="18" charset="0"/>
                             </a:rPr>
                             <m:t>:</m:t>
@@ -4141,9 +4286,9 @@
                           <m:sSub>
                             <m:sSubPr>
                               <m:ctrlPr>
-                                <a:rPr lang="en-US" b="0" i="1">
+                                <a:rPr lang="en-US" sz="3000" b="0" i="1">
                                   <a:solidFill>
-                                    <a:srgbClr val="836967"/>
+                                    <a:schemeClr val="tx1"/>
                                   </a:solidFill>
                                   <a:latin typeface="Cambria Math" panose="02040503050406030204" pitchFamily="18" charset="0"/>
                                 </a:rPr>
@@ -4151,7 +4296,10 @@
                             </m:sSubPr>
                             <m:e>
                               <m:r>
-                                <a:rPr lang="en-US" b="0" i="1">
+                                <a:rPr lang="en-US" sz="3000" b="0" i="1">
+                                  <a:solidFill>
+                                    <a:schemeClr val="tx1"/>
+                                  </a:solidFill>
                                   <a:latin typeface="Cambria Math" panose="02040503050406030204" pitchFamily="18" charset="0"/>
                                 </a:rPr>
                                 <m:t>𝑧</m:t>
@@ -4159,7 +4307,10 @@
                             </m:e>
                             <m:sub>
                               <m:r>
-                                <a:rPr lang="en-US" b="0" i="1">
+                                <a:rPr lang="en-US" sz="3000" b="0" i="1">
+                                  <a:solidFill>
+                                    <a:schemeClr val="tx1"/>
+                                  </a:solidFill>
                                   <a:latin typeface="Cambria Math" panose="02040503050406030204" pitchFamily="18" charset="0"/>
                                 </a:rPr>
                                 <m:t>𝑖</m:t>
@@ -4167,13 +4318,19 @@
                             </m:sub>
                           </m:sSub>
                           <m:r>
-                            <a:rPr lang="en-US" b="0" i="0">
+                            <a:rPr lang="en-US" sz="3000" b="0" i="0">
+                              <a:solidFill>
+                                <a:schemeClr val="tx1"/>
+                              </a:solidFill>
                               <a:latin typeface="Cambria Math" panose="02040503050406030204" pitchFamily="18" charset="0"/>
                             </a:rPr>
                             <m:t>≠</m:t>
                           </m:r>
                           <m:r>
-                            <a:rPr lang="en-US" b="0" i="1">
+                            <a:rPr lang="en-US" sz="3000" b="0" i="1">
+                              <a:solidFill>
+                                <a:schemeClr val="tx1"/>
+                              </a:solidFill>
                               <a:latin typeface="Cambria Math" panose="02040503050406030204" pitchFamily="18" charset="0"/>
                             </a:rPr>
                             <m:t>𝑘</m:t>
@@ -4183,12 +4340,16 @@
                     </m:oMath>
                   </m:oMathPara>
                 </a14:m>
-                <a:endParaRPr lang="en-US" dirty="0"/>
+                <a:endParaRPr lang="en-US" sz="3000" dirty="0">
+                  <a:solidFill>
+                    <a:schemeClr val="tx1"/>
+                  </a:solidFill>
+                </a:endParaRPr>
               </a:p>
             </p:txBody>
           </p:sp>
         </mc:Choice>
-        <mc:Fallback xmlns="">
+        <mc:Fallback>
           <p:sp>
             <p:nvSpPr>
               <p:cNvPr id="12" name="TextBox 11">
@@ -4205,8 +4366,8 @@
             </p:nvSpPr>
             <p:spPr>
               <a:xfrm>
-                <a:off x="4207668" y="3892785"/>
-                <a:ext cx="6643686" cy="504369"/>
+                <a:off x="6886718" y="3672120"/>
+                <a:ext cx="3096473" cy="779124"/>
               </a:xfrm>
               <a:prstGeom prst="rect">
                 <a:avLst/>
@@ -4247,7 +4408,7 @@
         </p:nvSpPr>
         <p:spPr>
           <a:xfrm>
-            <a:off x="6163870" y="2713029"/>
+            <a:off x="6540103" y="2645673"/>
             <a:ext cx="346615" cy="1431943"/>
           </a:xfrm>
           <a:prstGeom prst="leftBrace">
@@ -4277,7 +4438,7 @@
           <a:lstStyle/>
           <a:p>
             <a:pPr algn="ctr"/>
-            <a:endParaRPr lang="en-US"/>
+            <a:endParaRPr lang="en-US" sz="3000"/>
           </a:p>
         </p:txBody>
       </p:sp>
@@ -4339,8 +4500,8 @@
         </p:nvCxnSpPr>
         <p:spPr>
           <a:xfrm rot="10800000" flipV="1">
-            <a:off x="2040412" y="2605022"/>
-            <a:ext cx="4562199" cy="538227"/>
+            <a:off x="1699968" y="2369463"/>
+            <a:ext cx="5116712" cy="672120"/>
           </a:xfrm>
           <a:prstGeom prst="bentConnector2">
             <a:avLst/>
@@ -4384,12 +4545,12 @@
         </p:nvCxnSpPr>
         <p:spPr>
           <a:xfrm>
-            <a:off x="2040411" y="3721894"/>
-            <a:ext cx="4388964" cy="514864"/>
+            <a:off x="1732502" y="3848226"/>
+            <a:ext cx="5154216" cy="477436"/>
           </a:xfrm>
           <a:prstGeom prst="bentConnector3">
             <a:avLst>
-              <a:gd name="adj1" fmla="val 31"/>
+              <a:gd name="adj1" fmla="val -173"/>
             </a:avLst>
           </a:prstGeom>
           <a:ln w="19050">
@@ -4429,8 +4590,8 @@
         </p:nvSpPr>
         <p:spPr>
           <a:xfrm>
-            <a:off x="3325429" y="3095275"/>
-            <a:ext cx="1202509" cy="646331"/>
+            <a:off x="2814174" y="2858971"/>
+            <a:ext cx="1888530" cy="1015663"/>
           </a:xfrm>
           <a:prstGeom prst="rect">
             <a:avLst/>
@@ -4445,14 +4606,14 @@
           <a:p>
             <a:pPr algn="ctr"/>
             <a:r>
-              <a:rPr lang="en-US" b="1" dirty="0"/>
+              <a:rPr lang="en-US" sz="3000" b="1" dirty="0"/>
               <a:t>generating</a:t>
             </a:r>
           </a:p>
           <a:p>
             <a:pPr algn="ctr"/>
             <a:r>
-              <a:rPr lang="en-US" b="1" dirty="0"/>
+              <a:rPr lang="en-US" sz="3000" b="1" dirty="0"/>
               <a:t>process</a:t>
             </a:r>
           </a:p>
@@ -4472,8 +4633,8 @@
         </p:nvSpPr>
         <p:spPr>
           <a:xfrm>
-            <a:off x="3149945" y="2226393"/>
-            <a:ext cx="1769652" cy="369332"/>
+            <a:off x="3054157" y="1722094"/>
+            <a:ext cx="2833211" cy="553998"/>
           </a:xfrm>
           <a:prstGeom prst="rect">
             <a:avLst/>
@@ -4487,7 +4648,7 @@
           <a:lstStyle/>
           <a:p>
             <a:r>
-              <a:rPr lang="en-US" b="1" dirty="0">
+              <a:rPr lang="en-US" sz="3000" b="1" dirty="0">
                 <a:solidFill>
                   <a:srgbClr val="FF0000"/>
                 </a:solidFill>
@@ -4511,8 +4672,8 @@
         </p:nvSpPr>
         <p:spPr>
           <a:xfrm>
-            <a:off x="3149944" y="4236758"/>
-            <a:ext cx="1769652" cy="369332"/>
+            <a:off x="3054157" y="4325662"/>
+            <a:ext cx="2833211" cy="553998"/>
           </a:xfrm>
           <a:prstGeom prst="rect">
             <a:avLst/>
@@ -4526,7 +4687,7 @@
           <a:lstStyle/>
           <a:p>
             <a:r>
-              <a:rPr lang="en-US" b="1" dirty="0">
+              <a:rPr lang="en-US" sz="3000" b="1" dirty="0">
                 <a:solidFill>
                   <a:srgbClr val="FF0000"/>
                 </a:solidFill>

--- a/documents/EAC-ISBA/plots/raw/loading_plot.pptx
+++ b/documents/EAC-ISBA/plots/raw/loading_plot.pptx
@@ -259,7 +259,7 @@
           <a:p>
             <a:fld id="{D9DC6875-00C2-463D-A920-8E16A2E804C7}" type="datetimeFigureOut">
               <a:rPr lang="en-US" smtClean="0"/>
-              <a:t>10/30/2021</a:t>
+              <a:t>11/1/2021</a:t>
             </a:fld>
             <a:endParaRPr lang="en-US"/>
           </a:p>
@@ -457,7 +457,7 @@
           <a:p>
             <a:fld id="{D9DC6875-00C2-463D-A920-8E16A2E804C7}" type="datetimeFigureOut">
               <a:rPr lang="en-US" smtClean="0"/>
-              <a:t>10/30/2021</a:t>
+              <a:t>11/1/2021</a:t>
             </a:fld>
             <a:endParaRPr lang="en-US"/>
           </a:p>
@@ -665,7 +665,7 @@
           <a:p>
             <a:fld id="{D9DC6875-00C2-463D-A920-8E16A2E804C7}" type="datetimeFigureOut">
               <a:rPr lang="en-US" smtClean="0"/>
-              <a:t>10/30/2021</a:t>
+              <a:t>11/1/2021</a:t>
             </a:fld>
             <a:endParaRPr lang="en-US"/>
           </a:p>
@@ -863,7 +863,7 @@
           <a:p>
             <a:fld id="{D9DC6875-00C2-463D-A920-8E16A2E804C7}" type="datetimeFigureOut">
               <a:rPr lang="en-US" smtClean="0"/>
-              <a:t>10/30/2021</a:t>
+              <a:t>11/1/2021</a:t>
             </a:fld>
             <a:endParaRPr lang="en-US"/>
           </a:p>
@@ -1138,7 +1138,7 @@
           <a:p>
             <a:fld id="{D9DC6875-00C2-463D-A920-8E16A2E804C7}" type="datetimeFigureOut">
               <a:rPr lang="en-US" smtClean="0"/>
-              <a:t>10/30/2021</a:t>
+              <a:t>11/1/2021</a:t>
             </a:fld>
             <a:endParaRPr lang="en-US"/>
           </a:p>
@@ -1403,7 +1403,7 @@
           <a:p>
             <a:fld id="{D9DC6875-00C2-463D-A920-8E16A2E804C7}" type="datetimeFigureOut">
               <a:rPr lang="en-US" smtClean="0"/>
-              <a:t>10/30/2021</a:t>
+              <a:t>11/1/2021</a:t>
             </a:fld>
             <a:endParaRPr lang="en-US"/>
           </a:p>
@@ -1815,7 +1815,7 @@
           <a:p>
             <a:fld id="{D9DC6875-00C2-463D-A920-8E16A2E804C7}" type="datetimeFigureOut">
               <a:rPr lang="en-US" smtClean="0"/>
-              <a:t>10/30/2021</a:t>
+              <a:t>11/1/2021</a:t>
             </a:fld>
             <a:endParaRPr lang="en-US"/>
           </a:p>
@@ -1956,7 +1956,7 @@
           <a:p>
             <a:fld id="{D9DC6875-00C2-463D-A920-8E16A2E804C7}" type="datetimeFigureOut">
               <a:rPr lang="en-US" smtClean="0"/>
-              <a:t>10/30/2021</a:t>
+              <a:t>11/1/2021</a:t>
             </a:fld>
             <a:endParaRPr lang="en-US"/>
           </a:p>
@@ -2069,7 +2069,7 @@
           <a:p>
             <a:fld id="{D9DC6875-00C2-463D-A920-8E16A2E804C7}" type="datetimeFigureOut">
               <a:rPr lang="en-US" smtClean="0"/>
-              <a:t>10/30/2021</a:t>
+              <a:t>11/1/2021</a:t>
             </a:fld>
             <a:endParaRPr lang="en-US"/>
           </a:p>
@@ -2380,7 +2380,7 @@
           <a:p>
             <a:fld id="{D9DC6875-00C2-463D-A920-8E16A2E804C7}" type="datetimeFigureOut">
               <a:rPr lang="en-US" smtClean="0"/>
-              <a:t>10/30/2021</a:t>
+              <a:t>11/1/2021</a:t>
             </a:fld>
             <a:endParaRPr lang="en-US"/>
           </a:p>
@@ -2668,7 +2668,7 @@
           <a:p>
             <a:fld id="{D9DC6875-00C2-463D-A920-8E16A2E804C7}" type="datetimeFigureOut">
               <a:rPr lang="en-US" smtClean="0"/>
-              <a:t>10/30/2021</a:t>
+              <a:t>11/1/2021</a:t>
             </a:fld>
             <a:endParaRPr lang="en-US"/>
           </a:p>
@@ -2909,7 +2909,7 @@
           <a:p>
             <a:fld id="{D9DC6875-00C2-463D-A920-8E16A2E804C7}" type="datetimeFigureOut">
               <a:rPr lang="en-US" smtClean="0"/>
-              <a:t>10/30/2021</a:t>
+              <a:t>11/1/2021</a:t>
             </a:fld>
             <a:endParaRPr lang="en-US"/>
           </a:p>
@@ -3326,8 +3326,8 @@
           <a:chExt cx="0" cy="0"/>
         </a:xfrm>
       </p:grpSpPr>
-      <mc:AlternateContent xmlns:mc="http://schemas.openxmlformats.org/markup-compatibility/2006">
-        <mc:Choice xmlns:a14="http://schemas.microsoft.com/office/drawing/2010/main" Requires="a14">
+      <mc:AlternateContent xmlns:mc="http://schemas.openxmlformats.org/markup-compatibility/2006" xmlns:a14="http://schemas.microsoft.com/office/drawing/2010/main">
+        <mc:Choice Requires="a14">
           <p:sp>
             <p:nvSpPr>
               <p:cNvPr id="4" name="TextBox 3">
@@ -3342,7 +3342,7 @@
             </p:nvSpPr>
             <p:spPr>
               <a:xfrm>
-                <a:off x="824760" y="3041583"/>
+                <a:off x="667598" y="4327458"/>
                 <a:ext cx="1750416" cy="676660"/>
               </a:xfrm>
               <a:prstGeom prst="rect">
@@ -3510,7 +3510,7 @@
             </p:txBody>
           </p:sp>
         </mc:Choice>
-        <mc:Fallback>
+        <mc:Fallback xmlns="">
           <p:sp>
             <p:nvSpPr>
               <p:cNvPr id="4" name="TextBox 3">
@@ -3527,7 +3527,7 @@
             </p:nvSpPr>
             <p:spPr>
               <a:xfrm>
-                <a:off x="824760" y="3041583"/>
+                <a:off x="667598" y="4327458"/>
                 <a:ext cx="1750416" cy="676660"/>
               </a:xfrm>
               <a:prstGeom prst="rect">
@@ -3555,8 +3555,8 @@
           </p:sp>
         </mc:Fallback>
       </mc:AlternateContent>
-      <mc:AlternateContent xmlns:mc="http://schemas.openxmlformats.org/markup-compatibility/2006">
-        <mc:Choice xmlns:a14="http://schemas.microsoft.com/office/drawing/2010/main" Requires="a14">
+      <mc:AlternateContent xmlns:mc="http://schemas.openxmlformats.org/markup-compatibility/2006" xmlns:a14="http://schemas.microsoft.com/office/drawing/2010/main">
+        <mc:Choice Requires="a14">
           <p:sp>
             <p:nvSpPr>
               <p:cNvPr id="6" name="TextBox 5">
@@ -3571,7 +3571,7 @@
             </p:nvSpPr>
             <p:spPr>
               <a:xfrm>
-                <a:off x="4948369" y="3076195"/>
+                <a:off x="4791207" y="4362070"/>
                 <a:ext cx="1259086" cy="585288"/>
               </a:xfrm>
               <a:prstGeom prst="rect">
@@ -3709,7 +3709,7 @@
             </p:txBody>
           </p:sp>
         </mc:Choice>
-        <mc:Fallback>
+        <mc:Fallback xmlns="">
           <p:sp>
             <p:nvSpPr>
               <p:cNvPr id="6" name="TextBox 5">
@@ -3726,7 +3726,7 @@
             </p:nvSpPr>
             <p:spPr>
               <a:xfrm>
-                <a:off x="4948369" y="3076195"/>
+                <a:off x="4791207" y="4362070"/>
                 <a:ext cx="1259086" cy="585288"/>
               </a:xfrm>
               <a:prstGeom prst="rect">
@@ -3735,7 +3735,7 @@
               <a:blipFill>
                 <a:blip r:embed="rId3"/>
                 <a:stretch>
-                  <a:fillRect r="-21845"/>
+                  <a:fillRect r="-21739"/>
                 </a:stretch>
               </a:blipFill>
             </p:spPr>
@@ -3754,8 +3754,8 @@
           </p:sp>
         </mc:Fallback>
       </mc:AlternateContent>
-      <mc:AlternateContent xmlns:mc="http://schemas.openxmlformats.org/markup-compatibility/2006">
-        <mc:Choice xmlns:a14="http://schemas.microsoft.com/office/drawing/2010/main" Requires="a14">
+      <mc:AlternateContent xmlns:mc="http://schemas.openxmlformats.org/markup-compatibility/2006" xmlns:a14="http://schemas.microsoft.com/office/drawing/2010/main">
+        <mc:Choice Requires="a14">
           <p:sp>
             <p:nvSpPr>
               <p:cNvPr id="10" name="TextBox 9">
@@ -3770,7 +3770,7 @@
             </p:nvSpPr>
             <p:spPr>
               <a:xfrm>
-                <a:off x="6816680" y="2268452"/>
+                <a:off x="6729554" y="3681269"/>
                 <a:ext cx="3096473" cy="779124"/>
               </a:xfrm>
               <a:prstGeom prst="rect">
@@ -4057,7 +4057,7 @@
             </p:txBody>
           </p:sp>
         </mc:Choice>
-        <mc:Fallback>
+        <mc:Fallback xmlns="">
           <p:sp>
             <p:nvSpPr>
               <p:cNvPr id="10" name="TextBox 9">
@@ -4074,7 +4074,7 @@
             </p:nvSpPr>
             <p:spPr>
               <a:xfrm>
-                <a:off x="6816680" y="2268452"/>
+                <a:off x="6729554" y="3681269"/>
                 <a:ext cx="3096473" cy="779124"/>
               </a:xfrm>
               <a:prstGeom prst="rect">
@@ -4102,8 +4102,8 @@
           </p:sp>
         </mc:Fallback>
       </mc:AlternateContent>
-      <mc:AlternateContent xmlns:mc="http://schemas.openxmlformats.org/markup-compatibility/2006">
-        <mc:Choice xmlns:a14="http://schemas.microsoft.com/office/drawing/2010/main" Requires="a14">
+      <mc:AlternateContent xmlns:mc="http://schemas.openxmlformats.org/markup-compatibility/2006" xmlns:a14="http://schemas.microsoft.com/office/drawing/2010/main">
+        <mc:Choice Requires="a14">
           <p:sp>
             <p:nvSpPr>
               <p:cNvPr id="12" name="TextBox 11">
@@ -4118,7 +4118,7 @@
             </p:nvSpPr>
             <p:spPr>
               <a:xfrm>
-                <a:off x="6886718" y="3672120"/>
+                <a:off x="6729556" y="4787223"/>
                 <a:ext cx="3096473" cy="779124"/>
               </a:xfrm>
               <a:prstGeom prst="rect">
@@ -4349,7 +4349,7 @@
             </p:txBody>
           </p:sp>
         </mc:Choice>
-        <mc:Fallback>
+        <mc:Fallback xmlns="">
           <p:sp>
             <p:nvSpPr>
               <p:cNvPr id="12" name="TextBox 11">
@@ -4366,7 +4366,7 @@
             </p:nvSpPr>
             <p:spPr>
               <a:xfrm>
-                <a:off x="6886718" y="3672120"/>
+                <a:off x="6729556" y="4787223"/>
                 <a:ext cx="3096473" cy="779124"/>
               </a:xfrm>
               <a:prstGeom prst="rect">
@@ -4408,8 +4408,8 @@
         </p:nvSpPr>
         <p:spPr>
           <a:xfrm>
-            <a:off x="6540103" y="2645673"/>
-            <a:ext cx="346615" cy="1431943"/>
+            <a:off x="6382941" y="4029075"/>
+            <a:ext cx="346615" cy="1131434"/>
           </a:xfrm>
           <a:prstGeom prst="leftBrace">
             <a:avLst>
@@ -4458,7 +4458,7 @@
         </p:nvCxnSpPr>
         <p:spPr>
           <a:xfrm flipV="1">
-            <a:off x="2612094" y="3428999"/>
+            <a:off x="2454932" y="4714874"/>
             <a:ext cx="2398559" cy="1"/>
           </a:xfrm>
           <a:prstGeom prst="straightConnector1">
@@ -4500,8 +4500,8 @@
         </p:nvCxnSpPr>
         <p:spPr>
           <a:xfrm rot="10800000" flipV="1">
-            <a:off x="1699968" y="2369463"/>
-            <a:ext cx="5116712" cy="672120"/>
+            <a:off x="1542806" y="3866700"/>
+            <a:ext cx="5116712" cy="460758"/>
           </a:xfrm>
           <a:prstGeom prst="bentConnector2">
             <a:avLst/>
@@ -4540,18 +4540,17 @@
           </p:cNvPr>
           <p:cNvCxnSpPr>
             <a:cxnSpLocks/>
+            <a:stCxn id="4" idx="2"/>
           </p:cNvCxnSpPr>
           <p:nvPr/>
         </p:nvCxnSpPr>
         <p:spPr>
-          <a:xfrm>
-            <a:off x="1732502" y="3848226"/>
-            <a:ext cx="5154216" cy="477436"/>
+          <a:xfrm rot="16200000" flipH="1">
+            <a:off x="3928842" y="2618082"/>
+            <a:ext cx="414678" cy="5186750"/>
           </a:xfrm>
-          <a:prstGeom prst="bentConnector3">
-            <a:avLst>
-              <a:gd name="adj1" fmla="val -173"/>
-            </a:avLst>
+          <a:prstGeom prst="bentConnector2">
+            <a:avLst/>
           </a:prstGeom>
           <a:ln w="19050">
             <a:solidFill>
@@ -4590,8 +4589,8 @@
         </p:nvSpPr>
         <p:spPr>
           <a:xfrm>
-            <a:off x="2814174" y="2858971"/>
-            <a:ext cx="1888530" cy="1015663"/>
+            <a:off x="2782298" y="4283987"/>
+            <a:ext cx="1604285" cy="861774"/>
           </a:xfrm>
           <a:prstGeom prst="rect">
             <a:avLst/>
@@ -4606,14 +4605,14 @@
           <a:p>
             <a:pPr algn="ctr"/>
             <a:r>
-              <a:rPr lang="en-US" sz="3000" b="1" dirty="0"/>
+              <a:rPr lang="en-US" sz="2500" b="1" dirty="0"/>
               <a:t>generating</a:t>
             </a:r>
           </a:p>
           <a:p>
             <a:pPr algn="ctr"/>
             <a:r>
-              <a:rPr lang="en-US" sz="3000" b="1" dirty="0"/>
+              <a:rPr lang="en-US" sz="2500" b="1" dirty="0"/>
               <a:t>process</a:t>
             </a:r>
           </a:p>
@@ -4633,8 +4632,8 @@
         </p:nvSpPr>
         <p:spPr>
           <a:xfrm>
-            <a:off x="3054157" y="1722094"/>
-            <a:ext cx="2833211" cy="553998"/>
+            <a:off x="2947001" y="3339705"/>
+            <a:ext cx="2389565" cy="477054"/>
           </a:xfrm>
           <a:prstGeom prst="rect">
             <a:avLst/>
@@ -4648,12 +4647,12 @@
           <a:lstStyle/>
           <a:p>
             <a:r>
-              <a:rPr lang="en-US" sz="3000" b="1" dirty="0">
+              <a:rPr lang="en-US" sz="2500" b="1" dirty="0">
                 <a:solidFill>
                   <a:srgbClr val="FF0000"/>
                 </a:solidFill>
               </a:rPr>
-              <a:t>inference: step 1</a:t>
+              <a:t>inference: step 2</a:t>
             </a:r>
           </a:p>
         </p:txBody>
@@ -4672,8 +4671,8 @@
         </p:nvSpPr>
         <p:spPr>
           <a:xfrm>
-            <a:off x="3054157" y="4325662"/>
-            <a:ext cx="2833211" cy="553998"/>
+            <a:off x="2896994" y="5334773"/>
+            <a:ext cx="2389565" cy="477054"/>
           </a:xfrm>
           <a:prstGeom prst="rect">
             <a:avLst/>
@@ -4687,16 +4686,482 @@
           <a:lstStyle/>
           <a:p>
             <a:r>
-              <a:rPr lang="en-US" sz="3000" b="1" dirty="0">
+              <a:rPr lang="en-US" sz="2500" b="1" dirty="0">
                 <a:solidFill>
                   <a:srgbClr val="FF0000"/>
                 </a:solidFill>
               </a:rPr>
-              <a:t>inference: step 2</a:t>
-            </a:r>
-          </a:p>
-        </p:txBody>
-      </p:sp>
+              <a:t>inference: step 3</a:t>
+            </a:r>
+          </a:p>
+        </p:txBody>
+      </p:sp>
+      <mc:AlternateContent xmlns:mc="http://schemas.openxmlformats.org/markup-compatibility/2006">
+        <mc:Choice xmlns:a14="http://schemas.microsoft.com/office/drawing/2010/main" Requires="a14">
+          <p:sp>
+            <p:nvSpPr>
+              <p:cNvPr id="2" name="TextBox 1">
+                <a:extLst>
+                  <a:ext uri="{FF2B5EF4-FFF2-40B4-BE49-F238E27FC236}">
+                    <a16:creationId xmlns:a16="http://schemas.microsoft.com/office/drawing/2014/main" id="{6D5E24A0-4BE1-4093-B7DC-F050541CCF42}"/>
+                  </a:ext>
+                </a:extLst>
+              </p:cNvPr>
+              <p:cNvSpPr txBox="1"/>
+              <p:nvPr/>
+            </p:nvSpPr>
+            <p:spPr>
+              <a:xfrm>
+                <a:off x="6953437" y="2556260"/>
+                <a:ext cx="623825" cy="553998"/>
+              </a:xfrm>
+              <a:prstGeom prst="rect">
+                <a:avLst/>
+              </a:prstGeom>
+              <a:noFill/>
+            </p:spPr>
+            <p:txBody>
+              <a:bodyPr wrap="none" rtlCol="0">
+                <a:spAutoFit/>
+              </a:bodyPr>
+              <a:lstStyle/>
+              <a:p>
+                <a:pPr/>
+                <a14:m>
+                  <m:oMathPara xmlns:m="http://schemas.openxmlformats.org/officeDocument/2006/math">
+                    <m:oMathParaPr>
+                      <m:jc m:val="centerGroup"/>
+                    </m:oMathParaPr>
+                    <m:oMath xmlns:m="http://schemas.openxmlformats.org/officeDocument/2006/math">
+                      <m:sSub>
+                        <m:sSubPr>
+                          <m:ctrlPr>
+                            <a:rPr lang="en-US" sz="3000" b="0" i="1" smtClean="0">
+                              <a:latin typeface="Cambria Math" panose="02040503050406030204" pitchFamily="18" charset="0"/>
+                            </a:rPr>
+                          </m:ctrlPr>
+                        </m:sSubPr>
+                        <m:e>
+                          <m:r>
+                            <a:rPr lang="en-US" sz="3000" b="1" i="1" smtClean="0">
+                              <a:latin typeface="Cambria Math" panose="02040503050406030204" pitchFamily="18" charset="0"/>
+                            </a:rPr>
+                            <m:t>𝒚</m:t>
+                          </m:r>
+                        </m:e>
+                        <m:sub>
+                          <m:r>
+                            <a:rPr lang="en-US" sz="3000" b="0" i="1" smtClean="0">
+                              <a:latin typeface="Cambria Math" panose="02040503050406030204" pitchFamily="18" charset="0"/>
+                            </a:rPr>
+                            <m:t>𝑖</m:t>
+                          </m:r>
+                        </m:sub>
+                      </m:sSub>
+                    </m:oMath>
+                  </m:oMathPara>
+                </a14:m>
+                <a:endParaRPr lang="en-US" sz="3000" dirty="0"/>
+              </a:p>
+            </p:txBody>
+          </p:sp>
+        </mc:Choice>
+        <mc:Fallback>
+          <p:sp>
+            <p:nvSpPr>
+              <p:cNvPr id="2" name="TextBox 1">
+                <a:extLst>
+                  <a:ext uri="{FF2B5EF4-FFF2-40B4-BE49-F238E27FC236}">
+                    <a16:creationId xmlns:a16="http://schemas.microsoft.com/office/drawing/2014/main" id="{6D5E24A0-4BE1-4093-B7DC-F050541CCF42}"/>
+                  </a:ext>
+                </a:extLst>
+              </p:cNvPr>
+              <p:cNvSpPr txBox="1">
+                <a:spLocks noRot="1" noChangeAspect="1" noMove="1" noResize="1" noEditPoints="1" noAdjustHandles="1" noChangeArrowheads="1" noChangeShapeType="1" noTextEdit="1"/>
+              </p:cNvSpPr>
+              <p:nvPr/>
+            </p:nvSpPr>
+            <p:spPr>
+              <a:xfrm>
+                <a:off x="6953437" y="2556260"/>
+                <a:ext cx="623825" cy="553998"/>
+              </a:xfrm>
+              <a:prstGeom prst="rect">
+                <a:avLst/>
+              </a:prstGeom>
+              <a:blipFill>
+                <a:blip r:embed="rId6"/>
+                <a:stretch>
+                  <a:fillRect/>
+                </a:stretch>
+              </a:blipFill>
+            </p:spPr>
+            <p:txBody>
+              <a:bodyPr/>
+              <a:lstStyle/>
+              <a:p>
+                <a:r>
+                  <a:rPr lang="en-US">
+                    <a:noFill/>
+                  </a:rPr>
+                  <a:t> </a:t>
+                </a:r>
+              </a:p>
+            </p:txBody>
+          </p:sp>
+        </mc:Fallback>
+      </mc:AlternateContent>
+      <p:sp>
+        <p:nvSpPr>
+          <p:cNvPr id="21" name="TextBox 20">
+            <a:extLst>
+              <a:ext uri="{FF2B5EF4-FFF2-40B4-BE49-F238E27FC236}">
+                <a16:creationId xmlns:a16="http://schemas.microsoft.com/office/drawing/2014/main" id="{38541207-908C-4D7A-B3E1-69BB43303D04}"/>
+              </a:ext>
+            </a:extLst>
+          </p:cNvPr>
+          <p:cNvSpPr txBox="1"/>
+          <p:nvPr/>
+        </p:nvSpPr>
+        <p:spPr>
+          <a:xfrm>
+            <a:off x="7391783" y="3171594"/>
+            <a:ext cx="2389565" cy="477054"/>
+          </a:xfrm>
+          <a:prstGeom prst="rect">
+            <a:avLst/>
+          </a:prstGeom>
+          <a:noFill/>
+        </p:spPr>
+        <p:txBody>
+          <a:bodyPr wrap="none" rtlCol="0">
+            <a:spAutoFit/>
+          </a:bodyPr>
+          <a:lstStyle/>
+          <a:p>
+            <a:r>
+              <a:rPr lang="en-US" sz="2500" b="1" dirty="0">
+                <a:solidFill>
+                  <a:srgbClr val="FF0000"/>
+                </a:solidFill>
+              </a:rPr>
+              <a:t>inference: step 1</a:t>
+            </a:r>
+          </a:p>
+        </p:txBody>
+      </p:sp>
+      <p:cxnSp>
+        <p:nvCxnSpPr>
+          <p:cNvPr id="9" name="Straight Arrow Connector 8">
+            <a:extLst>
+              <a:ext uri="{FF2B5EF4-FFF2-40B4-BE49-F238E27FC236}">
+                <a16:creationId xmlns:a16="http://schemas.microsoft.com/office/drawing/2014/main" id="{EB3537E9-9D70-48ED-BE5F-70BE7EF974F6}"/>
+              </a:ext>
+            </a:extLst>
+          </p:cNvPr>
+          <p:cNvCxnSpPr>
+            <a:cxnSpLocks/>
+          </p:cNvCxnSpPr>
+          <p:nvPr/>
+        </p:nvCxnSpPr>
+        <p:spPr>
+          <a:xfrm flipV="1">
+            <a:off x="7265350" y="3093244"/>
+            <a:ext cx="0" cy="678656"/>
+          </a:xfrm>
+          <a:prstGeom prst="straightConnector1">
+            <a:avLst/>
+          </a:prstGeom>
+          <a:ln w="19050">
+            <a:solidFill>
+              <a:schemeClr val="tx1"/>
+            </a:solidFill>
+            <a:tailEnd type="triangle"/>
+          </a:ln>
+        </p:spPr>
+        <p:style>
+          <a:lnRef idx="1">
+            <a:schemeClr val="accent1"/>
+          </a:lnRef>
+          <a:fillRef idx="0">
+            <a:schemeClr val="accent1"/>
+          </a:fillRef>
+          <a:effectRef idx="0">
+            <a:schemeClr val="accent1"/>
+          </a:effectRef>
+          <a:fontRef idx="minor">
+            <a:schemeClr val="tx1"/>
+          </a:fontRef>
+        </p:style>
+      </p:cxnSp>
+      <mc:AlternateContent xmlns:mc="http://schemas.openxmlformats.org/markup-compatibility/2006">
+        <mc:Choice xmlns:a14="http://schemas.microsoft.com/office/drawing/2010/main" Requires="a14">
+          <p:sp>
+            <p:nvSpPr>
+              <p:cNvPr id="18" name="TextBox 17">
+                <a:extLst>
+                  <a:ext uri="{FF2B5EF4-FFF2-40B4-BE49-F238E27FC236}">
+                    <a16:creationId xmlns:a16="http://schemas.microsoft.com/office/drawing/2014/main" id="{574F6734-7124-4292-B002-62FF1A6A3C6F}"/>
+                  </a:ext>
+                </a:extLst>
+              </p:cNvPr>
+              <p:cNvSpPr txBox="1"/>
+              <p:nvPr/>
+            </p:nvSpPr>
+            <p:spPr>
+              <a:xfrm>
+                <a:off x="8241608" y="2635621"/>
+                <a:ext cx="914161" cy="541110"/>
+              </a:xfrm>
+              <a:prstGeom prst="rect">
+                <a:avLst/>
+              </a:prstGeom>
+              <a:noFill/>
+            </p:spPr>
+            <p:txBody>
+              <a:bodyPr wrap="none" rtlCol="0">
+                <a:spAutoFit/>
+              </a:bodyPr>
+              <a:lstStyle/>
+              <a:p>
+                <a14:m>
+                  <m:oMathPara xmlns:m="http://schemas.openxmlformats.org/officeDocument/2006/math">
+                    <m:oMathParaPr>
+                      <m:jc m:val="centerGroup"/>
+                    </m:oMathParaPr>
+                    <m:oMath xmlns:m="http://schemas.openxmlformats.org/officeDocument/2006/math">
+                      <m:sSup>
+                        <m:sSupPr>
+                          <m:ctrlPr>
+                            <a:rPr lang="en-US" sz="2800" i="1" smtClean="0">
+                              <a:latin typeface="Cambria Math" panose="02040503050406030204" pitchFamily="18" charset="0"/>
+                            </a:rPr>
+                          </m:ctrlPr>
+                        </m:sSupPr>
+                        <m:e>
+                          <m:r>
+                            <a:rPr lang="en-US" sz="2800" i="1">
+                              <a:latin typeface="Cambria Math" panose="02040503050406030204" pitchFamily="18" charset="0"/>
+                            </a:rPr>
+                            <m:t>𝑿</m:t>
+                          </m:r>
+                        </m:e>
+                        <m:sup>
+                          <m:r>
+                            <a:rPr lang="en-US" sz="2800" i="1">
+                              <a:latin typeface="Cambria Math" panose="02040503050406030204" pitchFamily="18" charset="0"/>
+                            </a:rPr>
+                            <m:t>(</m:t>
+                          </m:r>
+                          <m:r>
+                            <a:rPr lang="en-US" sz="2800" i="1">
+                              <a:latin typeface="Cambria Math" panose="02040503050406030204" pitchFamily="18" charset="0"/>
+                            </a:rPr>
+                            <m:t>𝑘</m:t>
+                          </m:r>
+                          <m:r>
+                            <a:rPr lang="en-US" sz="2800" i="1">
+                              <a:latin typeface="Cambria Math" panose="02040503050406030204" pitchFamily="18" charset="0"/>
+                            </a:rPr>
+                            <m:t>)</m:t>
+                          </m:r>
+                        </m:sup>
+                      </m:sSup>
+                    </m:oMath>
+                  </m:oMathPara>
+                </a14:m>
+                <a:endParaRPr lang="en-US" sz="3000" dirty="0"/>
+              </a:p>
+            </p:txBody>
+          </p:sp>
+        </mc:Choice>
+        <mc:Fallback>
+          <p:sp>
+            <p:nvSpPr>
+              <p:cNvPr id="18" name="TextBox 17">
+                <a:extLst>
+                  <a:ext uri="{FF2B5EF4-FFF2-40B4-BE49-F238E27FC236}">
+                    <a16:creationId xmlns:a16="http://schemas.microsoft.com/office/drawing/2014/main" id="{574F6734-7124-4292-B002-62FF1A6A3C6F}"/>
+                  </a:ext>
+                </a:extLst>
+              </p:cNvPr>
+              <p:cNvSpPr txBox="1">
+                <a:spLocks noRot="1" noChangeAspect="1" noMove="1" noResize="1" noEditPoints="1" noAdjustHandles="1" noChangeArrowheads="1" noChangeShapeType="1" noTextEdit="1"/>
+              </p:cNvSpPr>
+              <p:nvPr/>
+            </p:nvSpPr>
+            <p:spPr>
+              <a:xfrm>
+                <a:off x="8241608" y="2635621"/>
+                <a:ext cx="914161" cy="541110"/>
+              </a:xfrm>
+              <a:prstGeom prst="rect">
+                <a:avLst/>
+              </a:prstGeom>
+              <a:blipFill>
+                <a:blip r:embed="rId7"/>
+                <a:stretch>
+                  <a:fillRect/>
+                </a:stretch>
+              </a:blipFill>
+            </p:spPr>
+            <p:txBody>
+              <a:bodyPr/>
+              <a:lstStyle/>
+              <a:p>
+                <a:r>
+                  <a:rPr lang="en-US">
+                    <a:noFill/>
+                  </a:rPr>
+                  <a:t> </a:t>
+                </a:r>
+              </a:p>
+            </p:txBody>
+          </p:sp>
+        </mc:Fallback>
+      </mc:AlternateContent>
+      <p:cxnSp>
+        <p:nvCxnSpPr>
+          <p:cNvPr id="20" name="Straight Arrow Connector 19">
+            <a:extLst>
+              <a:ext uri="{FF2B5EF4-FFF2-40B4-BE49-F238E27FC236}">
+                <a16:creationId xmlns:a16="http://schemas.microsoft.com/office/drawing/2014/main" id="{5825F5CC-E758-4471-95EB-1C6505D52778}"/>
+              </a:ext>
+            </a:extLst>
+          </p:cNvPr>
+          <p:cNvCxnSpPr>
+            <a:stCxn id="18" idx="1"/>
+          </p:cNvCxnSpPr>
+          <p:nvPr/>
+        </p:nvCxnSpPr>
+        <p:spPr>
+          <a:xfrm flipH="1">
+            <a:off x="7493950" y="2906176"/>
+            <a:ext cx="747658" cy="0"/>
+          </a:xfrm>
+          <a:prstGeom prst="straightConnector1">
+            <a:avLst/>
+          </a:prstGeom>
+          <a:ln w="19050">
+            <a:solidFill>
+              <a:schemeClr val="tx1"/>
+            </a:solidFill>
+            <a:tailEnd type="triangle"/>
+          </a:ln>
+        </p:spPr>
+        <p:style>
+          <a:lnRef idx="1">
+            <a:schemeClr val="accent1"/>
+          </a:lnRef>
+          <a:fillRef idx="0">
+            <a:schemeClr val="accent1"/>
+          </a:fillRef>
+          <a:effectRef idx="0">
+            <a:schemeClr val="accent1"/>
+          </a:effectRef>
+          <a:fontRef idx="minor">
+            <a:schemeClr val="tx1"/>
+          </a:fontRef>
+        </p:style>
+      </p:cxnSp>
+      <p:sp>
+        <p:nvSpPr>
+          <p:cNvPr id="22" name="Rectangle 21">
+            <a:extLst>
+              <a:ext uri="{FF2B5EF4-FFF2-40B4-BE49-F238E27FC236}">
+                <a16:creationId xmlns:a16="http://schemas.microsoft.com/office/drawing/2014/main" id="{5C6FB762-901A-4A8A-A691-55A148346B3D}"/>
+              </a:ext>
+            </a:extLst>
+          </p:cNvPr>
+          <p:cNvSpPr/>
+          <p:nvPr/>
+        </p:nvSpPr>
+        <p:spPr>
+          <a:xfrm>
+            <a:off x="7008175" y="2457450"/>
+            <a:ext cx="2050257" cy="635794"/>
+          </a:xfrm>
+          <a:prstGeom prst="rect">
+            <a:avLst/>
+          </a:prstGeom>
+          <a:noFill/>
+          <a:ln w="19050">
+            <a:solidFill>
+              <a:srgbClr val="FF0000"/>
+            </a:solidFill>
+            <a:prstDash val="sysDash"/>
+          </a:ln>
+        </p:spPr>
+        <p:style>
+          <a:lnRef idx="2">
+            <a:schemeClr val="accent1">
+              <a:shade val="50000"/>
+            </a:schemeClr>
+          </a:lnRef>
+          <a:fillRef idx="1">
+            <a:schemeClr val="accent1"/>
+          </a:fillRef>
+          <a:effectRef idx="0">
+            <a:schemeClr val="accent1"/>
+          </a:effectRef>
+          <a:fontRef idx="minor">
+            <a:schemeClr val="lt1"/>
+          </a:fontRef>
+        </p:style>
+        <p:txBody>
+          <a:bodyPr rtlCol="0" anchor="ctr"/>
+          <a:lstStyle/>
+          <a:p>
+            <a:pPr algn="ctr"/>
+            <a:endParaRPr lang="en-US"/>
+          </a:p>
+        </p:txBody>
+      </p:sp>
+      <p:cxnSp>
+        <p:nvCxnSpPr>
+          <p:cNvPr id="25" name="Straight Arrow Connector 24">
+            <a:extLst>
+              <a:ext uri="{FF2B5EF4-FFF2-40B4-BE49-F238E27FC236}">
+                <a16:creationId xmlns:a16="http://schemas.microsoft.com/office/drawing/2014/main" id="{4A1ECEF7-5E04-4529-91E0-8D10BF92EC34}"/>
+              </a:ext>
+            </a:extLst>
+          </p:cNvPr>
+          <p:cNvCxnSpPr>
+            <a:cxnSpLocks/>
+          </p:cNvCxnSpPr>
+          <p:nvPr/>
+        </p:nvCxnSpPr>
+        <p:spPr>
+          <a:xfrm>
+            <a:off x="7408225" y="3110258"/>
+            <a:ext cx="0" cy="661642"/>
+          </a:xfrm>
+          <a:prstGeom prst="straightConnector1">
+            <a:avLst/>
+          </a:prstGeom>
+          <a:ln w="19050">
+            <a:solidFill>
+              <a:srgbClr val="FF0000"/>
+            </a:solidFill>
+            <a:prstDash val="sysDash"/>
+            <a:tailEnd type="triangle"/>
+          </a:ln>
+        </p:spPr>
+        <p:style>
+          <a:lnRef idx="1">
+            <a:schemeClr val="accent1"/>
+          </a:lnRef>
+          <a:fillRef idx="0">
+            <a:schemeClr val="accent1"/>
+          </a:fillRef>
+          <a:effectRef idx="0">
+            <a:schemeClr val="accent1"/>
+          </a:effectRef>
+          <a:fontRef idx="minor">
+            <a:schemeClr val="tx1"/>
+          </a:fontRef>
+        </p:style>
+      </p:cxnSp>
     </p:spTree>
     <p:extLst>
       <p:ext uri="{BB962C8B-B14F-4D97-AF65-F5344CB8AC3E}">
